--- a/docs/diagrams/UiComponentClassDiagram.pptx
+++ b/docs/diagrams/UiComponentClassDiagram.pptx
@@ -3450,8 +3450,8 @@
         </p:nvSpPr>
         <p:spPr>
           <a:xfrm>
-            <a:off x="1217465" y="1447800"/>
-            <a:ext cx="4917083" cy="4495800"/>
+            <a:off x="1217465" y="762001"/>
+            <a:ext cx="4917083" cy="5410200"/>
           </a:xfrm>
           <a:prstGeom prst="roundRect">
             <a:avLst>
@@ -3515,8 +3515,8 @@
         </p:nvCxnSpPr>
         <p:spPr>
           <a:xfrm rot="5400000">
-            <a:off x="2914676" y="3057487"/>
-            <a:ext cx="3386780" cy="1843806"/>
+            <a:off x="2531895" y="2903307"/>
+            <a:ext cx="4301180" cy="1694969"/>
           </a:xfrm>
           <a:prstGeom prst="bentConnector2">
             <a:avLst/>
@@ -3553,7 +3553,7 @@
         </p:nvSpPr>
         <p:spPr>
           <a:xfrm>
-            <a:off x="2095948" y="2341220"/>
+            <a:off x="2095948" y="1655421"/>
             <a:ext cx="1093635" cy="346760"/>
           </a:xfrm>
           <a:prstGeom prst="rect">
@@ -3613,8 +3613,8 @@
         </p:nvSpPr>
         <p:spPr>
           <a:xfrm>
-            <a:off x="2592528" y="2971800"/>
-            <a:ext cx="1093635" cy="236841"/>
+            <a:off x="2592528" y="2286001"/>
+            <a:ext cx="1242472" cy="236841"/>
           </a:xfrm>
           <a:prstGeom prst="rect">
             <a:avLst/>
@@ -3673,7 +3673,7 @@
         </p:nvSpPr>
         <p:spPr>
           <a:xfrm>
-            <a:off x="2092842" y="1770924"/>
+            <a:off x="2092842" y="1085125"/>
             <a:ext cx="1093635" cy="346760"/>
           </a:xfrm>
           <a:prstGeom prst="rect">
@@ -3735,7 +3735,7 @@
         </p:nvCxnSpPr>
         <p:spPr>
           <a:xfrm rot="16200000" flipH="1">
-            <a:off x="2529445" y="2227899"/>
+            <a:off x="2529445" y="1542100"/>
             <a:ext cx="223536" cy="3106"/>
           </a:xfrm>
           <a:prstGeom prst="bentConnector3">
@@ -3775,7 +3775,7 @@
         </p:nvSpPr>
         <p:spPr>
           <a:xfrm rot="10800000" flipV="1">
-            <a:off x="5394717" y="2110477"/>
+            <a:off x="5394717" y="1424678"/>
             <a:ext cx="270504" cy="175523"/>
           </a:xfrm>
           <a:prstGeom prst="triangle">
@@ -3823,7 +3823,7 @@
         </p:nvCxnSpPr>
         <p:spPr>
           <a:xfrm flipV="1">
-            <a:off x="644735" y="2991937"/>
+            <a:off x="644735" y="2306138"/>
             <a:ext cx="684904" cy="1"/>
           </a:xfrm>
           <a:prstGeom prst="bentConnector3">
@@ -3866,7 +3866,7 @@
         </p:nvSpPr>
         <p:spPr>
           <a:xfrm rot="16200000">
-            <a:off x="5703829" y="2464877"/>
+            <a:off x="5703829" y="1779078"/>
             <a:ext cx="2362201" cy="328045"/>
           </a:xfrm>
           <a:prstGeom prst="roundRect">
@@ -3926,8 +3926,8 @@
         </p:nvSpPr>
         <p:spPr>
           <a:xfrm>
-            <a:off x="2592528" y="3649359"/>
-            <a:ext cx="1093635" cy="236841"/>
+            <a:off x="2592528" y="2963560"/>
+            <a:ext cx="1242472" cy="236841"/>
           </a:xfrm>
           <a:prstGeom prst="rect">
             <a:avLst/>
@@ -3986,8 +3986,8 @@
         </p:nvSpPr>
         <p:spPr>
           <a:xfrm>
-            <a:off x="2592527" y="5152118"/>
-            <a:ext cx="1093635" cy="236841"/>
+            <a:off x="2592527" y="5325760"/>
+            <a:ext cx="1242472" cy="236841"/>
           </a:xfrm>
           <a:prstGeom prst="rect">
             <a:avLst/>
@@ -4046,8 +4046,8 @@
         </p:nvSpPr>
         <p:spPr>
           <a:xfrm>
-            <a:off x="2592526" y="3991960"/>
-            <a:ext cx="1093635" cy="236841"/>
+            <a:off x="2592526" y="3380053"/>
+            <a:ext cx="1242472" cy="236841"/>
           </a:xfrm>
           <a:prstGeom prst="rect">
             <a:avLst/>
@@ -4106,7 +4106,7 @@
         </p:nvSpPr>
         <p:spPr>
           <a:xfrm>
-            <a:off x="3839323" y="4228801"/>
+            <a:off x="4064494" y="3616894"/>
             <a:ext cx="1040906" cy="236841"/>
           </a:xfrm>
           <a:prstGeom prst="rect">
@@ -4166,8 +4166,8 @@
         </p:nvSpPr>
         <p:spPr>
           <a:xfrm>
-            <a:off x="2592528" y="5554359"/>
-            <a:ext cx="1093635" cy="236841"/>
+            <a:off x="2592528" y="5782960"/>
+            <a:ext cx="1242472" cy="236841"/>
           </a:xfrm>
           <a:prstGeom prst="rect">
             <a:avLst/>
@@ -4226,7 +4226,7 @@
         </p:nvSpPr>
         <p:spPr>
           <a:xfrm>
-            <a:off x="2324548" y="2706452"/>
+            <a:off x="2324548" y="2020653"/>
             <a:ext cx="183156" cy="161573"/>
           </a:xfrm>
           <a:prstGeom prst="flowChartDecision">
@@ -4277,7 +4277,7 @@
         </p:nvCxnSpPr>
         <p:spPr>
           <a:xfrm rot="16200000" flipH="1">
-            <a:off x="2393229" y="2890922"/>
+            <a:off x="2393229" y="2205123"/>
             <a:ext cx="222196" cy="176402"/>
           </a:xfrm>
           <a:prstGeom prst="bentConnector2">
@@ -4315,8 +4315,8 @@
         </p:nvSpPr>
         <p:spPr>
           <a:xfrm>
-            <a:off x="2590799" y="3304308"/>
-            <a:ext cx="1095361" cy="236841"/>
+            <a:off x="2590799" y="2618509"/>
+            <a:ext cx="1244433" cy="236841"/>
           </a:xfrm>
           <a:prstGeom prst="rect">
             <a:avLst/>
@@ -4378,7 +4378,7 @@
         </p:nvCxnSpPr>
         <p:spPr>
           <a:xfrm rot="16200000" flipH="1">
-            <a:off x="2054450" y="3229701"/>
+            <a:off x="2054450" y="2543902"/>
             <a:ext cx="899755" cy="176402"/>
           </a:xfrm>
           <a:prstGeom prst="bentConnector2">
@@ -4412,14 +4412,13 @@
         <p:nvCxnSpPr>
           <p:cNvPr id="47" name="Elbow Connector 63"/>
           <p:cNvCxnSpPr>
-            <a:stCxn id="39" idx="2"/>
             <a:endCxn id="36" idx="1"/>
           </p:cNvCxnSpPr>
           <p:nvPr/>
         </p:nvCxnSpPr>
         <p:spPr>
           <a:xfrm rot="16200000" flipH="1">
-            <a:off x="1883148" y="3401003"/>
+            <a:off x="1883148" y="2789096"/>
             <a:ext cx="1242356" cy="176400"/>
           </a:xfrm>
           <a:prstGeom prst="bentConnector2">
@@ -4460,8 +4459,8 @@
         </p:nvCxnSpPr>
         <p:spPr>
           <a:xfrm rot="16200000" flipH="1">
-            <a:off x="1303069" y="3981081"/>
-            <a:ext cx="2402514" cy="176401"/>
+            <a:off x="873349" y="3725002"/>
+            <a:ext cx="3261955" cy="176401"/>
           </a:xfrm>
           <a:prstGeom prst="bentConnector2">
             <a:avLst/>
@@ -4500,8 +4499,8 @@
         </p:nvCxnSpPr>
         <p:spPr>
           <a:xfrm rot="16200000" flipH="1">
-            <a:off x="899591" y="3979842"/>
-            <a:ext cx="2966327" cy="419548"/>
+            <a:off x="456662" y="3765514"/>
+            <a:ext cx="3880729" cy="391004"/>
           </a:xfrm>
           <a:prstGeom prst="bentConnector2">
             <a:avLst/>
@@ -4538,7 +4537,7 @@
         </p:nvSpPr>
         <p:spPr>
           <a:xfrm>
-            <a:off x="5143948" y="1770924"/>
+            <a:off x="5143948" y="1085125"/>
             <a:ext cx="772043" cy="346760"/>
           </a:xfrm>
           <a:prstGeom prst="rect">
@@ -4620,8 +4619,8 @@
         </p:nvCxnSpPr>
         <p:spPr>
           <a:xfrm flipV="1">
-            <a:off x="3686160" y="2286000"/>
-            <a:ext cx="1843809" cy="1136729"/>
+            <a:off x="3835232" y="1600201"/>
+            <a:ext cx="1694737" cy="1136729"/>
           </a:xfrm>
           <a:prstGeom prst="bentConnector2">
             <a:avLst/>
@@ -4661,8 +4660,8 @@
         </p:nvCxnSpPr>
         <p:spPr>
           <a:xfrm rot="5400000">
-            <a:off x="4174488" y="2991741"/>
-            <a:ext cx="2061222" cy="649740"/>
+            <a:off x="4250128" y="2455474"/>
+            <a:ext cx="2135114" cy="424569"/>
           </a:xfrm>
           <a:prstGeom prst="bentConnector2">
             <a:avLst/>
@@ -4702,8 +4701,8 @@
         </p:nvCxnSpPr>
         <p:spPr>
           <a:xfrm rot="5400000">
-            <a:off x="3867176" y="2104987"/>
-            <a:ext cx="1481780" cy="1843806"/>
+            <a:off x="3941595" y="1493607"/>
+            <a:ext cx="1481780" cy="1694969"/>
           </a:xfrm>
           <a:prstGeom prst="bentConnector2">
             <a:avLst/>
@@ -4743,7 +4742,7 @@
         </p:nvCxnSpPr>
         <p:spPr>
           <a:xfrm flipV="1">
-            <a:off x="3189583" y="2286000"/>
+            <a:off x="3189583" y="1600201"/>
             <a:ext cx="2340386" cy="228600"/>
           </a:xfrm>
           <a:prstGeom prst="bentConnector2">
@@ -4784,8 +4783,8 @@
         </p:nvCxnSpPr>
         <p:spPr>
           <a:xfrm rot="5400000">
-            <a:off x="3115797" y="2856366"/>
-            <a:ext cx="2984539" cy="1843807"/>
+            <a:off x="2760494" y="2674706"/>
+            <a:ext cx="3843980" cy="1694970"/>
           </a:xfrm>
           <a:prstGeom prst="bentConnector2">
             <a:avLst/>
@@ -4824,7 +4823,7 @@
         </p:nvCxnSpPr>
         <p:spPr>
           <a:xfrm rot="5400000" flipH="1" flipV="1">
-            <a:off x="4594921" y="-355061"/>
+            <a:off x="4594921" y="-1040860"/>
             <a:ext cx="170724" cy="4081246"/>
           </a:xfrm>
           <a:prstGeom prst="bentConnector2">
@@ -4863,8 +4862,8 @@
         </p:nvSpPr>
         <p:spPr>
           <a:xfrm rot="16200000">
-            <a:off x="6213739" y="4560376"/>
-            <a:ext cx="1371599" cy="328045"/>
+            <a:off x="6023238" y="4065077"/>
+            <a:ext cx="1752601" cy="328045"/>
           </a:xfrm>
           <a:prstGeom prst="roundRect">
             <a:avLst/>
@@ -4923,7 +4922,7 @@
         </p:nvSpPr>
         <p:spPr>
           <a:xfrm rot="16200000">
-            <a:off x="956202" y="2861202"/>
+            <a:off x="956202" y="2175403"/>
             <a:ext cx="1093635" cy="346760"/>
           </a:xfrm>
           <a:prstGeom prst="rect">
@@ -4993,7 +4992,7 @@
         </p:nvSpPr>
         <p:spPr>
           <a:xfrm flipV="1">
-            <a:off x="1367767" y="2286001"/>
+            <a:off x="1367767" y="1600202"/>
             <a:ext cx="270504" cy="175523"/>
           </a:xfrm>
           <a:prstGeom prst="triangle">
@@ -5044,7 +5043,7 @@
         </p:nvCxnSpPr>
         <p:spPr>
           <a:xfrm rot="10800000" flipV="1">
-            <a:off x="1503020" y="1944303"/>
+            <a:off x="1503020" y="1258504"/>
             <a:ext cx="589823" cy="341697"/>
           </a:xfrm>
           <a:prstGeom prst="bentConnector2">
@@ -5086,7 +5085,7 @@
         </p:nvCxnSpPr>
         <p:spPr>
           <a:xfrm rot="16200000" flipH="1">
-            <a:off x="2226110" y="3058040"/>
+            <a:off x="2226110" y="2372241"/>
             <a:ext cx="554704" cy="174673"/>
           </a:xfrm>
           <a:prstGeom prst="bentConnector2">
@@ -5127,8 +5126,8 @@
         </p:nvCxnSpPr>
         <p:spPr>
           <a:xfrm rot="5400000">
-            <a:off x="4205956" y="1766207"/>
-            <a:ext cx="804221" cy="1843806"/>
+            <a:off x="4280375" y="1154827"/>
+            <a:ext cx="804221" cy="1694969"/>
           </a:xfrm>
           <a:prstGeom prst="bentConnector2">
             <a:avLst/>
@@ -5168,8 +5167,8 @@
         </p:nvCxnSpPr>
         <p:spPr>
           <a:xfrm rot="16200000" flipH="1">
-            <a:off x="3430123" y="3938021"/>
-            <a:ext cx="118421" cy="699979"/>
+            <a:off x="3579918" y="3250738"/>
+            <a:ext cx="118421" cy="850732"/>
           </a:xfrm>
           <a:prstGeom prst="bentConnector2">
             <a:avLst/>
@@ -5209,8 +5208,8 @@
         </p:nvCxnSpPr>
         <p:spPr>
           <a:xfrm rot="5400000">
-            <a:off x="3695875" y="2276286"/>
-            <a:ext cx="1824381" cy="1843808"/>
+            <a:off x="3733348" y="1701852"/>
+            <a:ext cx="1898273" cy="1694971"/>
           </a:xfrm>
           <a:prstGeom prst="bentConnector2">
             <a:avLst/>
@@ -5247,7 +5246,7 @@
         </p:nvSpPr>
         <p:spPr>
           <a:xfrm>
-            <a:off x="5435896" y="2743200"/>
+            <a:off x="5435896" y="2057401"/>
             <a:ext cx="229325" cy="166560"/>
           </a:xfrm>
           <a:prstGeom prst="rect">
@@ -5300,7 +5299,7 @@
         </p:nvSpPr>
         <p:spPr>
           <a:xfrm>
-            <a:off x="3687515" y="2828802"/>
+            <a:off x="3687515" y="2143003"/>
             <a:ext cx="3048000" cy="203200"/>
           </a:xfrm>
           <a:custGeom>
@@ -5382,7 +5381,7 @@
         </p:nvSpPr>
         <p:spPr>
           <a:xfrm>
-            <a:off x="5431573" y="4488138"/>
+            <a:off x="5431573" y="3802339"/>
             <a:ext cx="229325" cy="160062"/>
           </a:xfrm>
           <a:prstGeom prst="rect">
@@ -5435,8 +5434,8 @@
         </p:nvSpPr>
         <p:spPr>
           <a:xfrm flipV="1">
-            <a:off x="4114799" y="4472708"/>
-            <a:ext cx="2642195" cy="101600"/>
+            <a:off x="4432512" y="3860801"/>
+            <a:ext cx="2324482" cy="101600"/>
           </a:xfrm>
           <a:custGeom>
             <a:avLst/>
@@ -5517,7 +5516,7 @@
         </p:nvCxnSpPr>
         <p:spPr>
           <a:xfrm rot="16200000" flipH="1">
-            <a:off x="1881422" y="3896338"/>
+            <a:off x="1881422" y="3276179"/>
             <a:ext cx="1242356" cy="176400"/>
           </a:xfrm>
           <a:prstGeom prst="bentConnector2">
@@ -5555,8 +5554,8 @@
         </p:nvSpPr>
         <p:spPr>
           <a:xfrm>
-            <a:off x="2589073" y="4486917"/>
-            <a:ext cx="1093635" cy="236841"/>
+            <a:off x="2589073" y="3866758"/>
+            <a:ext cx="1242472" cy="236841"/>
           </a:xfrm>
           <a:prstGeom prst="rect">
             <a:avLst/>
@@ -5615,7 +5614,7 @@
         </p:nvSpPr>
         <p:spPr>
           <a:xfrm>
-            <a:off x="3834999" y="4720526"/>
+            <a:off x="4060170" y="4100367"/>
             <a:ext cx="1040906" cy="236841"/>
           </a:xfrm>
           <a:prstGeom prst="rect">
@@ -5677,7 +5676,7 @@
         </p:nvCxnSpPr>
         <p:spPr>
           <a:xfrm rot="16200000" flipH="1">
-            <a:off x="3425799" y="4429746"/>
+            <a:off x="3650970" y="3809587"/>
             <a:ext cx="118421" cy="699979"/>
           </a:xfrm>
           <a:prstGeom prst="bentConnector2">
@@ -5715,7 +5714,7 @@
         </p:nvSpPr>
         <p:spPr>
           <a:xfrm>
-            <a:off x="5410200" y="4988722"/>
+            <a:off x="5410200" y="4302923"/>
             <a:ext cx="229325" cy="160062"/>
           </a:xfrm>
           <a:prstGeom prst="rect">
@@ -5768,8 +5767,8 @@
         </p:nvSpPr>
         <p:spPr>
           <a:xfrm flipV="1">
-            <a:off x="4110475" y="4964433"/>
-            <a:ext cx="2642195" cy="101600"/>
+            <a:off x="4428188" y="4344274"/>
+            <a:ext cx="2324482" cy="101600"/>
           </a:xfrm>
           <a:custGeom>
             <a:avLst/>
@@ -5842,6 +5841,477 @@
           </a:p>
         </p:txBody>
       </p:sp>
+      <p:cxnSp>
+        <p:nvCxnSpPr>
+          <p:cNvPr id="49" name="Elbow Connector 63"/>
+          <p:cNvCxnSpPr/>
+          <p:nvPr/>
+        </p:nvCxnSpPr>
+        <p:spPr>
+          <a:xfrm rot="16200000" flipH="1">
+            <a:off x="1881422" y="3733379"/>
+            <a:ext cx="1242356" cy="176400"/>
+          </a:xfrm>
+          <a:prstGeom prst="bentConnector2">
+            <a:avLst/>
+          </a:prstGeom>
+          <a:ln w="19050">
+            <a:solidFill>
+              <a:schemeClr val="accent3"/>
+            </a:solidFill>
+            <a:headEnd type="none" w="med" len="med"/>
+            <a:tailEnd type="arrow" w="med" len="med"/>
+          </a:ln>
+          <a:effectLst/>
+        </p:spPr>
+        <p:style>
+          <a:lnRef idx="1">
+            <a:schemeClr val="accent2"/>
+          </a:lnRef>
+          <a:fillRef idx="2">
+            <a:schemeClr val="accent2"/>
+          </a:fillRef>
+          <a:effectRef idx="1">
+            <a:schemeClr val="accent2"/>
+          </a:effectRef>
+          <a:fontRef idx="minor">
+            <a:schemeClr val="dk1"/>
+          </a:fontRef>
+        </p:style>
+      </p:cxnSp>
+      <p:sp>
+        <p:nvSpPr>
+          <p:cNvPr id="51" name="Rectangle 11"/>
+          <p:cNvSpPr/>
+          <p:nvPr/>
+        </p:nvSpPr>
+        <p:spPr>
+          <a:xfrm>
+            <a:off x="2589073" y="4323958"/>
+            <a:ext cx="1242472" cy="236841"/>
+          </a:xfrm>
+          <a:prstGeom prst="rect">
+            <a:avLst/>
+          </a:prstGeom>
+          <a:ln w="19050">
+            <a:solidFill>
+              <a:schemeClr val="accent3"/>
+            </a:solidFill>
+          </a:ln>
+          <a:effectLst/>
+        </p:spPr>
+        <p:style>
+          <a:lnRef idx="1">
+            <a:schemeClr val="accent3"/>
+          </a:lnRef>
+          <a:fillRef idx="2">
+            <a:schemeClr val="accent3"/>
+          </a:fillRef>
+          <a:effectRef idx="1">
+            <a:schemeClr val="accent3"/>
+          </a:effectRef>
+          <a:fontRef idx="minor">
+            <a:schemeClr val="dk1"/>
+          </a:fontRef>
+        </p:style>
+        <p:txBody>
+          <a:bodyPr rtlCol="0" anchor="ctr"/>
+          <a:lstStyle/>
+          <a:p>
+            <a:pPr algn="ctr"/>
+            <a:r>
+              <a:rPr lang="en-US" sz="1050" b="1" dirty="0" err="1" smtClean="0">
+                <a:solidFill>
+                  <a:schemeClr val="accent3">
+                    <a:lumMod val="75000"/>
+                  </a:schemeClr>
+                </a:solidFill>
+              </a:rPr>
+              <a:t>RecycleBinPanel</a:t>
+            </a:r>
+            <a:endParaRPr lang="en-SG" sz="1050" b="1" dirty="0">
+              <a:solidFill>
+                <a:schemeClr val="accent3">
+                  <a:lumMod val="75000"/>
+                </a:schemeClr>
+              </a:solidFill>
+            </a:endParaRPr>
+          </a:p>
+        </p:txBody>
+      </p:sp>
+      <p:sp>
+        <p:nvSpPr>
+          <p:cNvPr id="56" name="Rectangle 11"/>
+          <p:cNvSpPr/>
+          <p:nvPr/>
+        </p:nvSpPr>
+        <p:spPr>
+          <a:xfrm>
+            <a:off x="4060170" y="4557567"/>
+            <a:ext cx="1040906" cy="236841"/>
+          </a:xfrm>
+          <a:prstGeom prst="rect">
+            <a:avLst/>
+          </a:prstGeom>
+          <a:ln w="19050">
+            <a:solidFill>
+              <a:schemeClr val="accent3"/>
+            </a:solidFill>
+          </a:ln>
+          <a:effectLst/>
+        </p:spPr>
+        <p:style>
+          <a:lnRef idx="1">
+            <a:schemeClr val="accent3"/>
+          </a:lnRef>
+          <a:fillRef idx="2">
+            <a:schemeClr val="accent3"/>
+          </a:fillRef>
+          <a:effectRef idx="1">
+            <a:schemeClr val="accent3"/>
+          </a:effectRef>
+          <a:fontRef idx="minor">
+            <a:schemeClr val="dk1"/>
+          </a:fontRef>
+        </p:style>
+        <p:txBody>
+          <a:bodyPr rtlCol="0" anchor="ctr"/>
+          <a:lstStyle/>
+          <a:p>
+            <a:pPr algn="ctr"/>
+            <a:r>
+              <a:rPr lang="en-US" sz="1050" b="1" dirty="0" err="1" smtClean="0">
+                <a:solidFill>
+                  <a:schemeClr val="accent3">
+                    <a:lumMod val="75000"/>
+                  </a:schemeClr>
+                </a:solidFill>
+              </a:rPr>
+              <a:t>RecycleBinCard</a:t>
+            </a:r>
+            <a:endParaRPr lang="en-SG" sz="1050" b="1" dirty="0">
+              <a:solidFill>
+                <a:schemeClr val="accent3">
+                  <a:lumMod val="75000"/>
+                </a:schemeClr>
+              </a:solidFill>
+            </a:endParaRPr>
+          </a:p>
+        </p:txBody>
+      </p:sp>
+      <p:cxnSp>
+        <p:nvCxnSpPr>
+          <p:cNvPr id="57" name="Elbow Connector 56"/>
+          <p:cNvCxnSpPr>
+            <a:endCxn id="56" idx="1"/>
+          </p:cNvCxnSpPr>
+          <p:nvPr/>
+        </p:nvCxnSpPr>
+        <p:spPr>
+          <a:xfrm rot="16200000" flipH="1">
+            <a:off x="3650970" y="4266787"/>
+            <a:ext cx="118421" cy="699979"/>
+          </a:xfrm>
+          <a:prstGeom prst="bentConnector2">
+            <a:avLst/>
+          </a:prstGeom>
+          <a:ln w="19050">
+            <a:solidFill>
+              <a:schemeClr val="accent3"/>
+            </a:solidFill>
+            <a:headEnd type="none" w="med" len="med"/>
+            <a:tailEnd type="arrow" w="med" len="med"/>
+          </a:ln>
+          <a:effectLst/>
+        </p:spPr>
+        <p:style>
+          <a:lnRef idx="1">
+            <a:schemeClr val="accent2"/>
+          </a:lnRef>
+          <a:fillRef idx="2">
+            <a:schemeClr val="accent2"/>
+          </a:fillRef>
+          <a:effectRef idx="1">
+            <a:schemeClr val="accent2"/>
+          </a:effectRef>
+          <a:fontRef idx="minor">
+            <a:schemeClr val="dk1"/>
+          </a:fontRef>
+        </p:style>
+      </p:cxnSp>
+      <p:sp>
+        <p:nvSpPr>
+          <p:cNvPr id="59" name="Rectangle 58"/>
+          <p:cNvSpPr/>
+          <p:nvPr/>
+        </p:nvSpPr>
+        <p:spPr>
+          <a:xfrm>
+            <a:off x="5401437" y="4830109"/>
+            <a:ext cx="229325" cy="160062"/>
+          </a:xfrm>
+          <a:prstGeom prst="rect">
+            <a:avLst/>
+          </a:prstGeom>
+          <a:solidFill>
+            <a:schemeClr val="accent3">
+              <a:lumMod val="20000"/>
+              <a:lumOff val="80000"/>
+              <a:alpha val="80000"/>
+            </a:schemeClr>
+          </a:solidFill>
+          <a:ln>
+            <a:noFill/>
+          </a:ln>
+          <a:effectLst>
+            <a:softEdge rad="31750"/>
+          </a:effectLst>
+        </p:spPr>
+        <p:style>
+          <a:lnRef idx="2">
+            <a:schemeClr val="accent1">
+              <a:shade val="50000"/>
+            </a:schemeClr>
+          </a:lnRef>
+          <a:fillRef idx="1">
+            <a:schemeClr val="accent1"/>
+          </a:fillRef>
+          <a:effectRef idx="0">
+            <a:schemeClr val="accent1"/>
+          </a:effectRef>
+          <a:fontRef idx="minor">
+            <a:schemeClr val="lt1"/>
+          </a:fontRef>
+        </p:style>
+        <p:txBody>
+          <a:bodyPr rtlCol="0" anchor="ctr"/>
+          <a:lstStyle/>
+          <a:p>
+            <a:pPr algn="ctr"/>
+            <a:endParaRPr lang="en-SG"/>
+          </a:p>
+        </p:txBody>
+      </p:sp>
+      <p:sp>
+        <p:nvSpPr>
+          <p:cNvPr id="58" name="Freeform 57"/>
+          <p:cNvSpPr/>
+          <p:nvPr/>
+        </p:nvSpPr>
+        <p:spPr>
+          <a:xfrm flipV="1">
+            <a:off x="4428188" y="4801474"/>
+            <a:ext cx="2324482" cy="101600"/>
+          </a:xfrm>
+          <a:custGeom>
+            <a:avLst/>
+            <a:gdLst>
+              <a:gd name="connsiteX0" fmla="*/ 0 w 3048000"/>
+              <a:gd name="connsiteY0" fmla="*/ 203200 h 203200"/>
+              <a:gd name="connsiteX1" fmla="*/ 221673 w 3048000"/>
+              <a:gd name="connsiteY1" fmla="*/ 0 h 203200"/>
+              <a:gd name="connsiteX2" fmla="*/ 3048000 w 3048000"/>
+              <a:gd name="connsiteY2" fmla="*/ 0 h 203200"/>
+            </a:gdLst>
+            <a:ahLst/>
+            <a:cxnLst>
+              <a:cxn ang="0">
+                <a:pos x="connsiteX0" y="connsiteY0"/>
+              </a:cxn>
+              <a:cxn ang="0">
+                <a:pos x="connsiteX1" y="connsiteY1"/>
+              </a:cxn>
+              <a:cxn ang="0">
+                <a:pos x="connsiteX2" y="connsiteY2"/>
+              </a:cxn>
+            </a:cxnLst>
+            <a:rect l="l" t="t" r="r" b="b"/>
+            <a:pathLst>
+              <a:path w="3048000" h="203200">
+                <a:moveTo>
+                  <a:pt x="0" y="203200"/>
+                </a:moveTo>
+                <a:lnTo>
+                  <a:pt x="221673" y="0"/>
+                </a:lnTo>
+                <a:lnTo>
+                  <a:pt x="3048000" y="0"/>
+                </a:lnTo>
+              </a:path>
+            </a:pathLst>
+          </a:custGeom>
+          <a:noFill/>
+          <a:ln w="19050">
+            <a:solidFill>
+              <a:schemeClr val="accent3"/>
+            </a:solidFill>
+            <a:prstDash val="sysDot"/>
+            <a:headEnd type="none" w="med" len="med"/>
+            <a:tailEnd type="arrow" w="med" len="med"/>
+          </a:ln>
+          <a:effectLst/>
+        </p:spPr>
+        <p:style>
+          <a:lnRef idx="1">
+            <a:schemeClr val="accent2"/>
+          </a:lnRef>
+          <a:fillRef idx="2">
+            <a:schemeClr val="accent2"/>
+          </a:fillRef>
+          <a:effectRef idx="1">
+            <a:schemeClr val="accent2"/>
+          </a:effectRef>
+          <a:fontRef idx="minor">
+            <a:schemeClr val="dk1"/>
+          </a:fontRef>
+        </p:style>
+        <p:txBody>
+          <a:bodyPr rtlCol="0" anchor="ctr"/>
+          <a:lstStyle/>
+          <a:p>
+            <a:pPr algn="ctr"/>
+            <a:endParaRPr lang="en-SG"/>
+          </a:p>
+        </p:txBody>
+      </p:sp>
+      <p:cxnSp>
+        <p:nvCxnSpPr>
+          <p:cNvPr id="61" name="Elbow Connector 63"/>
+          <p:cNvCxnSpPr/>
+          <p:nvPr/>
+        </p:nvCxnSpPr>
+        <p:spPr>
+          <a:xfrm rot="16200000" flipH="1">
+            <a:off x="1881422" y="4342979"/>
+            <a:ext cx="1242356" cy="176400"/>
+          </a:xfrm>
+          <a:prstGeom prst="bentConnector2">
+            <a:avLst/>
+          </a:prstGeom>
+          <a:ln w="19050">
+            <a:solidFill>
+              <a:schemeClr val="accent3"/>
+            </a:solidFill>
+            <a:headEnd type="none" w="med" len="med"/>
+            <a:tailEnd type="arrow" w="med" len="med"/>
+          </a:ln>
+          <a:effectLst/>
+        </p:spPr>
+        <p:style>
+          <a:lnRef idx="1">
+            <a:schemeClr val="accent2"/>
+          </a:lnRef>
+          <a:fillRef idx="2">
+            <a:schemeClr val="accent2"/>
+          </a:fillRef>
+          <a:effectRef idx="1">
+            <a:schemeClr val="accent2"/>
+          </a:effectRef>
+          <a:fontRef idx="minor">
+            <a:schemeClr val="dk1"/>
+          </a:fontRef>
+        </p:style>
+      </p:cxnSp>
+      <p:sp>
+        <p:nvSpPr>
+          <p:cNvPr id="62" name="Rectangle 11"/>
+          <p:cNvSpPr/>
+          <p:nvPr/>
+        </p:nvSpPr>
+        <p:spPr>
+          <a:xfrm>
+            <a:off x="2589073" y="4944760"/>
+            <a:ext cx="1242472" cy="236841"/>
+          </a:xfrm>
+          <a:prstGeom prst="rect">
+            <a:avLst/>
+          </a:prstGeom>
+          <a:ln w="19050">
+            <a:solidFill>
+              <a:schemeClr val="accent3"/>
+            </a:solidFill>
+          </a:ln>
+          <a:effectLst/>
+        </p:spPr>
+        <p:style>
+          <a:lnRef idx="1">
+            <a:schemeClr val="accent3"/>
+          </a:lnRef>
+          <a:fillRef idx="2">
+            <a:schemeClr val="accent3"/>
+          </a:fillRef>
+          <a:effectRef idx="1">
+            <a:schemeClr val="accent3"/>
+          </a:effectRef>
+          <a:fontRef idx="minor">
+            <a:schemeClr val="dk1"/>
+          </a:fontRef>
+        </p:style>
+        <p:txBody>
+          <a:bodyPr rtlCol="0" anchor="ctr"/>
+          <a:lstStyle/>
+          <a:p>
+            <a:pPr algn="ctr"/>
+            <a:r>
+              <a:rPr lang="en-US" sz="1050" b="1" dirty="0" err="1" smtClean="0">
+                <a:solidFill>
+                  <a:schemeClr val="accent3">
+                    <a:lumMod val="75000"/>
+                  </a:schemeClr>
+                </a:solidFill>
+              </a:rPr>
+              <a:t>PersonDetailPanel</a:t>
+            </a:r>
+            <a:endParaRPr lang="en-SG" sz="1050" b="1" dirty="0">
+              <a:solidFill>
+                <a:schemeClr val="accent3">
+                  <a:lumMod val="75000"/>
+                </a:schemeClr>
+              </a:solidFill>
+            </a:endParaRPr>
+          </a:p>
+        </p:txBody>
+      </p:sp>
+      <p:cxnSp>
+        <p:nvCxnSpPr>
+          <p:cNvPr id="83" name="Elbow Connector 63"/>
+          <p:cNvCxnSpPr>
+            <a:endCxn id="62" idx="3"/>
+          </p:cNvCxnSpPr>
+          <p:nvPr/>
+        </p:nvCxnSpPr>
+        <p:spPr>
+          <a:xfrm rot="5400000">
+            <a:off x="2978143" y="2508825"/>
+            <a:ext cx="3407758" cy="1700954"/>
+          </a:xfrm>
+          <a:prstGeom prst="bentConnector2">
+            <a:avLst/>
+          </a:prstGeom>
+          <a:ln w="6350">
+            <a:solidFill>
+              <a:schemeClr val="accent3"/>
+            </a:solidFill>
+            <a:headEnd type="none" w="med" len="med"/>
+            <a:tailEnd type="none" w="med" len="med"/>
+          </a:ln>
+          <a:effectLst/>
+        </p:spPr>
+        <p:style>
+          <a:lnRef idx="1">
+            <a:schemeClr val="accent2"/>
+          </a:lnRef>
+          <a:fillRef idx="2">
+            <a:schemeClr val="accent2"/>
+          </a:fillRef>
+          <a:effectRef idx="1">
+            <a:schemeClr val="accent2"/>
+          </a:effectRef>
+          <a:fontRef idx="minor">
+            <a:schemeClr val="dk1"/>
+          </a:fontRef>
+        </p:style>
+      </p:cxnSp>
     </p:spTree>
     <p:extLst>
       <p:ext uri="{BB962C8B-B14F-4D97-AF65-F5344CB8AC3E}">
